--- a/Project Presentation.pptx
+++ b/Project Presentation.pptx
@@ -17,21 +17,22 @@
     <p:sldId id="262" r:id="rId12"/>
     <p:sldId id="263" r:id="rId13"/>
     <p:sldId id="264" r:id="rId14"/>
+    <p:sldId id="265" r:id="rId15"/>
   </p:sldIdLst>
   <p:sldSz cy="5143500" cx="9144000"/>
   <p:notesSz cx="6858000" cy="9144000"/>
   <p:embeddedFontLst>
     <p:embeddedFont>
       <p:font typeface="Nunito"/>
-      <p:regular r:id="rId15"/>
-      <p:bold r:id="rId16"/>
-      <p:italic r:id="rId17"/>
-      <p:boldItalic r:id="rId18"/>
+      <p:regular r:id="rId16"/>
+      <p:bold r:id="rId17"/>
+      <p:italic r:id="rId18"/>
+      <p:boldItalic r:id="rId19"/>
     </p:embeddedFont>
     <p:embeddedFont>
       <p:font typeface="Maven Pro"/>
-      <p:regular r:id="rId19"/>
-      <p:bold r:id="rId20"/>
+      <p:regular r:id="rId20"/>
+      <p:bold r:id="rId21"/>
     </p:embeddedFont>
   </p:embeddedFontLst>
   <p:defaultTextStyle>
@@ -807,6 +808,105 @@
 </p:notes>
 </file>
 
+<file path=ppt/notesSlides/notesSlide10.xml><?xml version="1.0" encoding="utf-8"?>
+<p:notes xmlns:a="http://schemas.openxmlformats.org/drawingml/2006/main" xmlns:r="http://schemas.openxmlformats.org/officeDocument/2006/relationships" xmlns:mc="http://schemas.openxmlformats.org/markup-compatibility/2006" xmlns:mv="urn:schemas-microsoft-com:mac:vml" xmlns:p="http://schemas.openxmlformats.org/presentationml/2006/main" xmlns:c="http://schemas.openxmlformats.org/drawingml/2006/chart" xmlns:dgm="http://schemas.openxmlformats.org/drawingml/2006/diagram" xmlns:o="urn:schemas-microsoft-com:office:office" xmlns:v="urn:schemas-microsoft-com:vml" xmlns:pvml="urn:schemas-microsoft-com:office:powerpoint" xmlns:com="http://schemas.openxmlformats.org/drawingml/2006/compatibility" xmlns:p14="http://schemas.microsoft.com/office/powerpoint/2010/main" xmlns:p15="http://schemas.microsoft.com/office/powerpoint/2012/main" xmlns:ahyp="http://schemas.microsoft.com/office/drawing/2018/hyperlinkcolor" showMasterPhAnim="0" showMasterSp="0">
+  <p:cSld>
+    <p:spTree>
+      <p:nvGrpSpPr>
+        <p:cNvPr id="329" name="Shape 329"/>
+        <p:cNvGrpSpPr/>
+        <p:nvPr/>
+      </p:nvGrpSpPr>
+      <p:grpSpPr>
+        <a:xfrm>
+          <a:off x="0" y="0"/>
+          <a:ext cx="0" cy="0"/>
+          <a:chOff x="0" y="0"/>
+          <a:chExt cx="0" cy="0"/>
+        </a:xfrm>
+      </p:grpSpPr>
+      <p:sp>
+        <p:nvSpPr>
+          <p:cNvPr id="330" name="Google Shape;330;g24de084ee5b_0_15:notes"/>
+          <p:cNvSpPr/>
+          <p:nvPr>
+            <p:ph idx="2" type="sldImg"/>
+          </p:nvPr>
+        </p:nvSpPr>
+        <p:spPr>
+          <a:xfrm>
+            <a:off x="381300" y="685800"/>
+            <a:ext cx="6096000" cy="3429000"/>
+          </a:xfrm>
+          <a:custGeom>
+            <a:rect b="b" l="l" r="r" t="t"/>
+            <a:pathLst>
+              <a:path extrusionOk="0" h="120000" w="120000">
+                <a:moveTo>
+                  <a:pt x="0" y="0"/>
+                </a:moveTo>
+                <a:lnTo>
+                  <a:pt x="120000" y="0"/>
+                </a:lnTo>
+                <a:lnTo>
+                  <a:pt x="120000" y="120000"/>
+                </a:lnTo>
+                <a:lnTo>
+                  <a:pt x="0" y="120000"/>
+                </a:lnTo>
+                <a:close/>
+              </a:path>
+            </a:pathLst>
+          </a:custGeom>
+        </p:spPr>
+      </p:sp>
+      <p:sp>
+        <p:nvSpPr>
+          <p:cNvPr id="331" name="Google Shape;331;g24de084ee5b_0_15:notes"/>
+          <p:cNvSpPr txBox="1"/>
+          <p:nvPr>
+            <p:ph idx="1" type="body"/>
+          </p:nvPr>
+        </p:nvSpPr>
+        <p:spPr>
+          <a:xfrm>
+            <a:off x="685800" y="4343400"/>
+            <a:ext cx="5486400" cy="4114800"/>
+          </a:xfrm>
+          <a:prstGeom prst="rect">
+            <a:avLst/>
+          </a:prstGeom>
+        </p:spPr>
+        <p:txBody>
+          <a:bodyPr anchorCtr="0" anchor="t" bIns="91425" lIns="91425" spcFirstLastPara="1" rIns="91425" wrap="square" tIns="91425">
+            <a:noAutofit/>
+          </a:bodyPr>
+          <a:lstStyle/>
+          <a:p>
+            <a:pPr indent="0" lvl="0" marL="0" rtl="0" algn="l">
+              <a:spcBef>
+                <a:spcPts val="0"/>
+              </a:spcBef>
+              <a:spcAft>
+                <a:spcPts val="0"/>
+              </a:spcAft>
+              <a:buNone/>
+            </a:pPr>
+            <a:r>
+              <a:t/>
+            </a:r>
+            <a:endParaRPr/>
+          </a:p>
+        </p:txBody>
+      </p:sp>
+    </p:spTree>
+  </p:cSld>
+  <p:clrMapOvr>
+    <a:masterClrMapping/>
+  </p:clrMapOvr>
+</p:notes>
+</file>
+
 <file path=ppt/notesSlides/notesSlide2.xml><?xml version="1.0" encoding="utf-8"?>
 <p:notes xmlns:a="http://schemas.openxmlformats.org/drawingml/2006/main" xmlns:r="http://schemas.openxmlformats.org/officeDocument/2006/relationships" xmlns:mc="http://schemas.openxmlformats.org/markup-compatibility/2006" xmlns:mv="urn:schemas-microsoft-com:mac:vml" xmlns:p="http://schemas.openxmlformats.org/presentationml/2006/main" xmlns:c="http://schemas.openxmlformats.org/drawingml/2006/chart" xmlns:dgm="http://schemas.openxmlformats.org/drawingml/2006/diagram" xmlns:o="urn:schemas-microsoft-com:office:office" xmlns:v="urn:schemas-microsoft-com:vml" xmlns:pvml="urn:schemas-microsoft-com:office:powerpoint" xmlns:com="http://schemas.openxmlformats.org/drawingml/2006/compatibility" xmlns:p14="http://schemas.microsoft.com/office/powerpoint/2010/main" xmlns:p15="http://schemas.microsoft.com/office/powerpoint/2012/main" xmlns:ahyp="http://schemas.microsoft.com/office/drawing/2018/hyperlinkcolor" showMasterPhAnim="0" showMasterSp="0">
   <p:cSld>
@@ -1519,7 +1619,7 @@
       </p:grpSpPr>
       <p:sp>
         <p:nvSpPr>
-          <p:cNvPr id="324" name="Google Shape;324;g24de084ee5b_0_15:notes"/>
+          <p:cNvPr id="324" name="Google Shape;324;g24e07784b53_0_0:notes"/>
           <p:cNvSpPr/>
           <p:nvPr>
             <p:ph idx="2" type="sldImg"/>
@@ -1554,7 +1654,7 @@
       </p:sp>
       <p:sp>
         <p:nvSpPr>
-          <p:cNvPr id="325" name="Google Shape;325;g24de084ee5b_0_15:notes"/>
+          <p:cNvPr id="325" name="Google Shape;325;g24e07784b53_0_0:notes"/>
           <p:cNvSpPr txBox="1"/>
           <p:nvPr>
             <p:ph idx="1" type="body"/>
@@ -15991,6 +16091,71 @@
 </p:sld>
 </file>
 
+<file path=ppt/slides/slide10.xml><?xml version="1.0" encoding="utf-8"?>
+<p:sld xmlns:a="http://schemas.openxmlformats.org/drawingml/2006/main" xmlns:r="http://schemas.openxmlformats.org/officeDocument/2006/relationships" xmlns:mc="http://schemas.openxmlformats.org/markup-compatibility/2006" xmlns:mv="urn:schemas-microsoft-com:mac:vml" xmlns:p="http://schemas.openxmlformats.org/presentationml/2006/main" xmlns:c="http://schemas.openxmlformats.org/drawingml/2006/chart" xmlns:dgm="http://schemas.openxmlformats.org/drawingml/2006/diagram" xmlns:o="urn:schemas-microsoft-com:office:office" xmlns:v="urn:schemas-microsoft-com:vml" xmlns:pvml="urn:schemas-microsoft-com:office:powerpoint" xmlns:com="http://schemas.openxmlformats.org/drawingml/2006/compatibility" xmlns:p14="http://schemas.microsoft.com/office/powerpoint/2010/main" xmlns:p15="http://schemas.microsoft.com/office/powerpoint/2012/main" xmlns:ahyp="http://schemas.microsoft.com/office/drawing/2018/hyperlinkcolor">
+  <p:cSld>
+    <p:spTree>
+      <p:nvGrpSpPr>
+        <p:cNvPr id="332" name="Shape 332"/>
+        <p:cNvGrpSpPr/>
+        <p:nvPr/>
+      </p:nvGrpSpPr>
+      <p:grpSpPr>
+        <a:xfrm>
+          <a:off x="0" y="0"/>
+          <a:ext cx="0" cy="0"/>
+          <a:chOff x="0" y="0"/>
+          <a:chExt cx="0" cy="0"/>
+        </a:xfrm>
+      </p:grpSpPr>
+      <p:sp>
+        <p:nvSpPr>
+          <p:cNvPr id="333" name="Google Shape;333;p22"/>
+          <p:cNvSpPr txBox="1"/>
+          <p:nvPr>
+            <p:ph type="title"/>
+          </p:nvPr>
+        </p:nvSpPr>
+        <p:spPr>
+          <a:xfrm>
+            <a:off x="311700" y="2045175"/>
+            <a:ext cx="8520600" cy="1963500"/>
+          </a:xfrm>
+          <a:prstGeom prst="rect">
+            <a:avLst/>
+          </a:prstGeom>
+        </p:spPr>
+        <p:txBody>
+          <a:bodyPr anchorCtr="0" anchor="ctr" bIns="91425" lIns="91425" spcFirstLastPara="1" rIns="91425" wrap="square" tIns="91425">
+            <a:normAutofit/>
+          </a:bodyPr>
+          <a:lstStyle/>
+          <a:p>
+            <a:pPr indent="0" lvl="0" marL="0" rtl="0" algn="ctr">
+              <a:spcBef>
+                <a:spcPts val="0"/>
+              </a:spcBef>
+              <a:spcAft>
+                <a:spcPts val="0"/>
+              </a:spcAft>
+              <a:buNone/>
+            </a:pPr>
+            <a:r>
+              <a:rPr lang="en"/>
+              <a:t>Time to Demo</a:t>
+            </a:r>
+            <a:endParaRPr/>
+          </a:p>
+        </p:txBody>
+      </p:sp>
+    </p:spTree>
+  </p:cSld>
+  <p:clrMapOvr>
+    <a:masterClrMapping/>
+  </p:clrMapOvr>
+</p:sld>
+</file>
+
 <file path=ppt/slides/slide2.xml><?xml version="1.0" encoding="utf-8"?>
 <p:sld xmlns:a="http://schemas.openxmlformats.org/drawingml/2006/main" xmlns:r="http://schemas.openxmlformats.org/officeDocument/2006/relationships" xmlns:mc="http://schemas.openxmlformats.org/markup-compatibility/2006" xmlns:mv="urn:schemas-microsoft-com:mac:vml" xmlns:p="http://schemas.openxmlformats.org/presentationml/2006/main" xmlns:c="http://schemas.openxmlformats.org/drawingml/2006/chart" xmlns:dgm="http://schemas.openxmlformats.org/drawingml/2006/diagram" xmlns:o="urn:schemas-microsoft-com:office:office" xmlns:v="urn:schemas-microsoft-com:vml" xmlns:pvml="urn:schemas-microsoft-com:office:powerpoint" xmlns:com="http://schemas.openxmlformats.org/drawingml/2006/compatibility" xmlns:p14="http://schemas.microsoft.com/office/powerpoint/2010/main" xmlns:p15="http://schemas.microsoft.com/office/powerpoint/2012/main" xmlns:ahyp="http://schemas.microsoft.com/office/drawing/2018/hyperlinkcolor">
   <p:cSld>
@@ -16097,7 +16262,7 @@
                 <a:spcPts val="1200"/>
               </a:spcBef>
               <a:spcAft>
-                <a:spcPts val="1200"/>
+                <a:spcPts val="0"/>
               </a:spcAft>
               <a:buClr>
                 <a:schemeClr val="dk1"/>
@@ -16108,7 +16273,49 @@
             </a:pPr>
             <a:r>
               <a:rPr lang="en" sz="1700"/>
-              <a:t>User also has the option to leave reviews to particular movies</a:t>
+              <a:t>User has access to review keys for movie.</a:t>
+            </a:r>
+            <a:endParaRPr sz="1700"/>
+          </a:p>
+          <a:p>
+            <a:pPr indent="0" lvl="0" marL="0" rtl="0" algn="l">
+              <a:spcBef>
+                <a:spcPts val="1200"/>
+              </a:spcBef>
+              <a:spcAft>
+                <a:spcPts val="0"/>
+              </a:spcAft>
+              <a:buClr>
+                <a:schemeClr val="dk1"/>
+              </a:buClr>
+              <a:buSzPts val="1100"/>
+              <a:buFont typeface="Arial"/>
+              <a:buNone/>
+            </a:pPr>
+            <a:r>
+              <a:rPr lang="en" sz="1700"/>
+              <a:t>Option to update data aspects or delete rows.</a:t>
+            </a:r>
+            <a:endParaRPr sz="1700"/>
+          </a:p>
+          <a:p>
+            <a:pPr indent="0" lvl="0" marL="0" rtl="0" algn="l">
+              <a:spcBef>
+                <a:spcPts val="1200"/>
+              </a:spcBef>
+              <a:spcAft>
+                <a:spcPts val="1200"/>
+              </a:spcAft>
+              <a:buClr>
+                <a:schemeClr val="dk1"/>
+              </a:buClr>
+              <a:buSzPts val="1100"/>
+              <a:buFont typeface="Arial"/>
+              <a:buNone/>
+            </a:pPr>
+            <a:r>
+              <a:rPr lang="en" sz="1700"/>
+              <a:t>Can use pre-determined options to print out data based on criteria.</a:t>
             </a:r>
             <a:endParaRPr sz="1700"/>
           </a:p>
@@ -16234,8 +16441,8 @@
         </p:blipFill>
         <p:spPr>
           <a:xfrm>
-            <a:off x="2499175" y="1253350"/>
-            <a:ext cx="3077676" cy="3687100"/>
+            <a:off x="4675408" y="64025"/>
+            <a:ext cx="3976235" cy="5143501"/>
           </a:xfrm>
           <a:prstGeom prst="rect">
             <a:avLst/>
@@ -16379,13 +16586,29 @@
                 <a:spcPts val="1200"/>
               </a:spcBef>
               <a:spcAft>
-                <a:spcPts val="1200"/>
+                <a:spcPts val="0"/>
               </a:spcAft>
               <a:buNone/>
             </a:pPr>
             <a:r>
               <a:rPr lang="en"/>
               <a:t>Programming developed through Visual Studio Code, which is compatible with a variety of programming languages.</a:t>
+            </a:r>
+            <a:endParaRPr/>
+          </a:p>
+          <a:p>
+            <a:pPr indent="0" lvl="0" marL="0" rtl="0" algn="l">
+              <a:spcBef>
+                <a:spcPts val="1200"/>
+              </a:spcBef>
+              <a:spcAft>
+                <a:spcPts val="1200"/>
+              </a:spcAft>
+              <a:buNone/>
+            </a:pPr>
+            <a:r>
+              <a:rPr lang="en"/>
+              <a:t>Interactivity built on Python.</a:t>
             </a:r>
             <a:endParaRPr/>
           </a:p>
@@ -16511,8 +16734,8 @@
         </p:blipFill>
         <p:spPr>
           <a:xfrm>
-            <a:off x="360800" y="1522975"/>
-            <a:ext cx="7973499" cy="3475751"/>
+            <a:off x="738425" y="1189900"/>
+            <a:ext cx="7530527" cy="3598826"/>
           </a:xfrm>
           <a:prstGeom prst="rect">
             <a:avLst/>
@@ -16680,7 +16903,7 @@
             </a:r>
             <a:r>
               <a:rPr lang="en"/>
-              <a:t>, r.Movie</a:t>
+              <a:t>, r.Movie, r.User</a:t>
             </a:r>
             <a:endParaRPr/>
           </a:p>
@@ -17140,7 +17363,7 @@
             </a:r>
             <a:r>
               <a:rPr lang="en"/>
-              <a:t>, pre.Year, pre.Studio, pre.Years_Ran, pre.FirstFilm</a:t>
+              <a:t>, pre.Year, pre.Studio, pre.Years_Ran</a:t>
             </a:r>
             <a:endParaRPr/>
           </a:p>
@@ -17218,20 +17441,20 @@
         </p:nvSpPr>
         <p:spPr>
           <a:xfrm>
-            <a:off x="311700" y="2045175"/>
-            <a:ext cx="8520600" cy="1963500"/>
+            <a:off x="1303800" y="598575"/>
+            <a:ext cx="7030500" cy="999300"/>
           </a:xfrm>
           <a:prstGeom prst="rect">
             <a:avLst/>
           </a:prstGeom>
         </p:spPr>
         <p:txBody>
-          <a:bodyPr anchorCtr="0" anchor="ctr" bIns="91425" lIns="91425" spcFirstLastPara="1" rIns="91425" wrap="square" tIns="91425">
+          <a:bodyPr anchorCtr="0" anchor="t" bIns="91425" lIns="91425" spcFirstLastPara="1" rIns="91425" wrap="square" tIns="91425">
             <a:normAutofit/>
           </a:bodyPr>
           <a:lstStyle/>
           <a:p>
-            <a:pPr indent="0" lvl="0" marL="0" rtl="0" algn="ctr">
+            <a:pPr indent="0" lvl="0" marL="0" rtl="0" algn="l">
               <a:spcBef>
                 <a:spcPts val="0"/>
               </a:spcBef>
@@ -17242,7 +17465,146 @@
             </a:pPr>
             <a:r>
               <a:rPr lang="en"/>
-              <a:t>That’s a wrap.</a:t>
+              <a:t>Many to Many</a:t>
+            </a:r>
+            <a:endParaRPr/>
+          </a:p>
+        </p:txBody>
+      </p:sp>
+      <p:sp>
+        <p:nvSpPr>
+          <p:cNvPr id="328" name="Google Shape;328;p21"/>
+          <p:cNvSpPr txBox="1"/>
+          <p:nvPr>
+            <p:ph idx="1" type="body"/>
+          </p:nvPr>
+        </p:nvSpPr>
+        <p:spPr>
+          <a:xfrm>
+            <a:off x="684875" y="1499175"/>
+            <a:ext cx="7030500" cy="2541600"/>
+          </a:xfrm>
+          <a:prstGeom prst="rect">
+            <a:avLst/>
+          </a:prstGeom>
+        </p:spPr>
+        <p:txBody>
+          <a:bodyPr anchorCtr="0" anchor="t" bIns="91425" lIns="91425" spcFirstLastPara="1" rIns="91425" wrap="square" tIns="91425">
+            <a:normAutofit/>
+          </a:bodyPr>
+          <a:lstStyle/>
+          <a:p>
+            <a:pPr indent="0" lvl="0" marL="0" rtl="0" algn="l">
+              <a:spcBef>
+                <a:spcPts val="0"/>
+              </a:spcBef>
+              <a:spcAft>
+                <a:spcPts val="0"/>
+              </a:spcAft>
+              <a:buNone/>
+            </a:pPr>
+            <a:r>
+              <a:rPr lang="en"/>
+              <a:t>EarliestHere:</a:t>
+            </a:r>
+            <a:endParaRPr/>
+          </a:p>
+          <a:p>
+            <a:pPr indent="-311150" lvl="0" marL="457200" rtl="0" algn="l">
+              <a:spcBef>
+                <a:spcPts val="1200"/>
+              </a:spcBef>
+              <a:spcAft>
+                <a:spcPts val="0"/>
+              </a:spcAft>
+              <a:buSzPts val="1300"/>
+              <a:buChar char="●"/>
+            </a:pPr>
+            <a:r>
+              <a:rPr i="1" lang="en"/>
+              <a:t>m.Title</a:t>
+            </a:r>
+            <a:r>
+              <a:rPr lang="en"/>
+              <a:t>, d.name, p.name, a.name, c.name, s.name</a:t>
+            </a:r>
+            <a:endParaRPr/>
+          </a:p>
+          <a:p>
+            <a:pPr indent="0" lvl="0" marL="0" rtl="0" algn="l">
+              <a:spcBef>
+                <a:spcPts val="1200"/>
+              </a:spcBef>
+              <a:spcAft>
+                <a:spcPts val="0"/>
+              </a:spcAft>
+              <a:buNone/>
+            </a:pPr>
+            <a:r>
+              <a:rPr lang="en"/>
+              <a:t>FilmsWorkedOn:</a:t>
+            </a:r>
+            <a:endParaRPr/>
+          </a:p>
+          <a:p>
+            <a:pPr indent="-311150" lvl="0" marL="457200" rtl="0" algn="l">
+              <a:spcBef>
+                <a:spcPts val="1200"/>
+              </a:spcBef>
+              <a:spcAft>
+                <a:spcPts val="0"/>
+              </a:spcAft>
+              <a:buSzPts val="1300"/>
+              <a:buChar char="●"/>
+            </a:pPr>
+            <a:r>
+              <a:rPr i="1" lang="en"/>
+              <a:t>m.Title</a:t>
+            </a:r>
+            <a:r>
+              <a:rPr lang="en"/>
+              <a:t>, d.name, p.name, a.name, c.name</a:t>
+            </a:r>
+            <a:endParaRPr/>
+          </a:p>
+          <a:p>
+            <a:pPr indent="0" lvl="0" marL="0" rtl="0" algn="l">
+              <a:spcBef>
+                <a:spcPts val="1200"/>
+              </a:spcBef>
+              <a:spcAft>
+                <a:spcPts val="0"/>
+              </a:spcAft>
+              <a:buNone/>
+            </a:pPr>
+            <a:r>
+              <a:rPr lang="en"/>
+              <a:t>Year:</a:t>
+            </a:r>
+            <a:endParaRPr/>
+          </a:p>
+          <a:p>
+            <a:pPr indent="-311150" lvl="0" marL="457200" rtl="0" algn="l">
+              <a:spcBef>
+                <a:spcPts val="1200"/>
+              </a:spcBef>
+              <a:spcAft>
+                <a:spcPts val="0"/>
+              </a:spcAft>
+              <a:buSzPts val="1300"/>
+              <a:buChar char="●"/>
+            </a:pPr>
+            <a:r>
+              <a:rPr i="1" lang="en"/>
+              <a:t>y.year</a:t>
+            </a:r>
+            <a:r>
+              <a:rPr lang="en"/>
+              <a:t>, m.title, </a:t>
+            </a:r>
+            <a:r>
+              <a:rPr lang="en"/>
+              <a:t>d.name, p.name, a.name, c.name, s.name, pre.name</a:t>
             </a:r>
             <a:endParaRPr/>
           </a:p>
